--- a/pres-source/summary-and-wrap-up.pptx
+++ b/pres-source/summary-and-wrap-up.pptx
@@ -5,11 +5,13 @@
     <p:sldMasterId id="2147483648" r:id="rId1"/>
   </p:sldMasterIdLst>
   <p:notesMasterIdLst>
-    <p:notesMasterId r:id="rId4"/>
+    <p:notesMasterId r:id="rId6"/>
   </p:notesMasterIdLst>
   <p:sldIdLst>
     <p:sldId id="256" r:id="rId2"/>
-    <p:sldId id="283" r:id="rId3"/>
+    <p:sldId id="284" r:id="rId3"/>
+    <p:sldId id="285" r:id="rId4"/>
+    <p:sldId id="283" r:id="rId5"/>
   </p:sldIdLst>
   <p:sldSz cx="9144000" cy="6858000" type="screen4x3"/>
   <p:notesSz cx="6858000" cy="9144000"/>
@@ -198,7 +200,7 @@
             <a:fld id="{7307762F-A706-E543-A832-3C298AA3103F}" type="datetimeFigureOut">
               <a:rPr lang="en-US" smtClean="0"/>
               <a:pPr/>
-              <a:t>13/11/15</a:t>
+              <a:t>15/11/15</a:t>
             </a:fld>
             <a:endParaRPr lang="en-US" dirty="0"/>
           </a:p>
@@ -765,7 +767,7 @@
           <a:p>
             <a:fld id="{875CF0EB-321F-0749-B37A-89BBA859503C}" type="datetimeFigureOut">
               <a:rPr lang="en-US" smtClean="0"/>
-              <a:t>13/11/15</a:t>
+              <a:t>15/11/15</a:t>
             </a:fld>
             <a:endParaRPr lang="en-US"/>
           </a:p>
@@ -969,7 +971,7 @@
           <a:p>
             <a:fld id="{875CF0EB-321F-0749-B37A-89BBA859503C}" type="datetimeFigureOut">
               <a:rPr lang="en-US" smtClean="0"/>
-              <a:t>13/11/15</a:t>
+              <a:t>15/11/15</a:t>
             </a:fld>
             <a:endParaRPr lang="en-US"/>
           </a:p>
@@ -1163,7 +1165,7 @@
           <a:p>
             <a:fld id="{875CF0EB-321F-0749-B37A-89BBA859503C}" type="datetimeFigureOut">
               <a:rPr lang="en-US" smtClean="0"/>
-              <a:t>13/11/15</a:t>
+              <a:t>15/11/15</a:t>
             </a:fld>
             <a:endParaRPr lang="en-US"/>
           </a:p>
@@ -1433,7 +1435,7 @@
           <a:p>
             <a:fld id="{875CF0EB-321F-0749-B37A-89BBA859503C}" type="datetimeFigureOut">
               <a:rPr lang="en-US" smtClean="0"/>
-              <a:t>13/11/15</a:t>
+              <a:t>15/11/15</a:t>
             </a:fld>
             <a:endParaRPr lang="en-US"/>
           </a:p>
@@ -1745,7 +1747,7 @@
           <a:p>
             <a:fld id="{875CF0EB-321F-0749-B37A-89BBA859503C}" type="datetimeFigureOut">
               <a:rPr lang="en-US" smtClean="0"/>
-              <a:t>13/11/15</a:t>
+              <a:t>15/11/15</a:t>
             </a:fld>
             <a:endParaRPr lang="en-US"/>
           </a:p>
@@ -2191,7 +2193,7 @@
           <a:p>
             <a:fld id="{875CF0EB-321F-0749-B37A-89BBA859503C}" type="datetimeFigureOut">
               <a:rPr lang="en-US" smtClean="0"/>
-              <a:t>13/11/15</a:t>
+              <a:t>15/11/15</a:t>
             </a:fld>
             <a:endParaRPr lang="en-US"/>
           </a:p>
@@ -2333,7 +2335,7 @@
           <a:p>
             <a:fld id="{875CF0EB-321F-0749-B37A-89BBA859503C}" type="datetimeFigureOut">
               <a:rPr lang="en-US" smtClean="0"/>
-              <a:t>13/11/15</a:t>
+              <a:t>15/11/15</a:t>
             </a:fld>
             <a:endParaRPr lang="en-US"/>
           </a:p>
@@ -2452,7 +2454,7 @@
           <a:p>
             <a:fld id="{875CF0EB-321F-0749-B37A-89BBA859503C}" type="datetimeFigureOut">
               <a:rPr lang="en-US" smtClean="0"/>
-              <a:t>13/11/15</a:t>
+              <a:t>15/11/15</a:t>
             </a:fld>
             <a:endParaRPr lang="en-US"/>
           </a:p>
@@ -2753,7 +2755,7 @@
           <a:p>
             <a:fld id="{875CF0EB-321F-0749-B37A-89BBA859503C}" type="datetimeFigureOut">
               <a:rPr lang="en-US" smtClean="0"/>
-              <a:t>13/11/15</a:t>
+              <a:t>15/11/15</a:t>
             </a:fld>
             <a:endParaRPr lang="en-US"/>
           </a:p>
@@ -3030,7 +3032,7 @@
           <a:p>
             <a:fld id="{875CF0EB-321F-0749-B37A-89BBA859503C}" type="datetimeFigureOut">
               <a:rPr lang="en-US" smtClean="0"/>
-              <a:t>13/11/15</a:t>
+              <a:t>15/11/15</a:t>
             </a:fld>
             <a:endParaRPr lang="en-US"/>
           </a:p>
@@ -4010,6 +4012,215 @@
 </file>
 
 <file path=ppt/slides/slide2.xml><?xml version="1.0" encoding="utf-8"?>
+<p:sld xmlns:a="http://schemas.openxmlformats.org/drawingml/2006/main" xmlns:r="http://schemas.openxmlformats.org/officeDocument/2006/relationships" xmlns:p="http://schemas.openxmlformats.org/presentationml/2006/main">
+  <p:cSld>
+    <p:spTree>
+      <p:nvGrpSpPr>
+        <p:cNvPr id="1" name=""/>
+        <p:cNvGrpSpPr/>
+        <p:nvPr/>
+      </p:nvGrpSpPr>
+      <p:grpSpPr>
+        <a:xfrm>
+          <a:off x="0" y="0"/>
+          <a:ext cx="0" cy="0"/>
+          <a:chOff x="0" y="0"/>
+          <a:chExt cx="0" cy="0"/>
+        </a:xfrm>
+      </p:grpSpPr>
+      <p:sp>
+        <p:nvSpPr>
+          <p:cNvPr id="2" name="Title 1"/>
+          <p:cNvSpPr>
+            <a:spLocks noGrp="1"/>
+          </p:cNvSpPr>
+          <p:nvPr>
+            <p:ph type="title"/>
+          </p:nvPr>
+        </p:nvSpPr>
+        <p:spPr/>
+        <p:txBody>
+          <a:bodyPr/>
+          <a:lstStyle/>
+          <a:p>
+            <a:r>
+              <a:rPr lang="en-US" dirty="0" smtClean="0"/>
+              <a:t>Summary</a:t>
+            </a:r>
+            <a:r>
+              <a:rPr lang="en-US" baseline="30000" dirty="0" smtClean="0"/>
+              <a:t>2</a:t>
+            </a:r>
+            <a:endParaRPr lang="en-US" baseline="30000" dirty="0"/>
+          </a:p>
+        </p:txBody>
+      </p:sp>
+      <p:sp>
+        <p:nvSpPr>
+          <p:cNvPr id="3" name="Content Placeholder 2"/>
+          <p:cNvSpPr>
+            <a:spLocks noGrp="1"/>
+          </p:cNvSpPr>
+          <p:nvPr>
+            <p:ph idx="1"/>
+          </p:nvPr>
+        </p:nvSpPr>
+        <p:spPr/>
+        <p:txBody>
+          <a:bodyPr>
+            <a:normAutofit lnSpcReduction="10000"/>
+          </a:bodyPr>
+          <a:lstStyle/>
+          <a:p>
+            <a:r>
+              <a:rPr lang="en-US" dirty="0" smtClean="0"/>
+              <a:t>Cloud Recap</a:t>
+            </a:r>
+          </a:p>
+          <a:p>
+            <a:r>
+              <a:rPr lang="en-US" dirty="0" err="1" smtClean="0"/>
+              <a:t>IaaS</a:t>
+            </a:r>
+            <a:endParaRPr lang="en-US" dirty="0" smtClean="0"/>
+          </a:p>
+          <a:p>
+            <a:r>
+              <a:rPr lang="en-US" dirty="0" smtClean="0"/>
+              <a:t>Containers</a:t>
+            </a:r>
+          </a:p>
+          <a:p>
+            <a:r>
+              <a:rPr lang="en-US" dirty="0" smtClean="0"/>
+              <a:t>Big Data recap</a:t>
+            </a:r>
+          </a:p>
+          <a:p>
+            <a:r>
+              <a:rPr lang="en-US" dirty="0" smtClean="0"/>
+              <a:t>Apache Spark </a:t>
+            </a:r>
+          </a:p>
+          <a:p>
+            <a:r>
+              <a:rPr lang="en-US" dirty="0" err="1" smtClean="0"/>
+              <a:t>NoSQL</a:t>
+            </a:r>
+            <a:r>
+              <a:rPr lang="en-US" dirty="0" smtClean="0"/>
+              <a:t> and Cassandra</a:t>
+            </a:r>
+          </a:p>
+          <a:p>
+            <a:r>
+              <a:rPr lang="en-US" dirty="0" err="1" smtClean="0"/>
+              <a:t>Realtime</a:t>
+            </a:r>
+            <a:r>
+              <a:rPr lang="en-US" dirty="0" smtClean="0"/>
+              <a:t> Big Data</a:t>
+            </a:r>
+          </a:p>
+          <a:p>
+            <a:r>
+              <a:rPr lang="en-US" dirty="0" smtClean="0"/>
+              <a:t>Discussion and Design Exercise</a:t>
+            </a:r>
+            <a:endParaRPr lang="en-US" dirty="0"/>
+          </a:p>
+        </p:txBody>
+      </p:sp>
+    </p:spTree>
+    <p:extLst>
+      <p:ext uri="{BB962C8B-B14F-4D97-AF65-F5344CB8AC3E}">
+        <p14:creationId xmlns:p14="http://schemas.microsoft.com/office/powerpoint/2010/main" val="1580486003"/>
+      </p:ext>
+    </p:extLst>
+  </p:cSld>
+  <p:clrMapOvr>
+    <a:masterClrMapping/>
+  </p:clrMapOvr>
+</p:sld>
+</file>
+
+<file path=ppt/slides/slide3.xml><?xml version="1.0" encoding="utf-8"?>
+<p:sld xmlns:a="http://schemas.openxmlformats.org/drawingml/2006/main" xmlns:r="http://schemas.openxmlformats.org/officeDocument/2006/relationships" xmlns:p="http://schemas.openxmlformats.org/presentationml/2006/main">
+  <p:cSld>
+    <p:spTree>
+      <p:nvGrpSpPr>
+        <p:cNvPr id="1" name=""/>
+        <p:cNvGrpSpPr/>
+        <p:nvPr/>
+      </p:nvGrpSpPr>
+      <p:grpSpPr>
+        <a:xfrm>
+          <a:off x="0" y="0"/>
+          <a:ext cx="0" cy="0"/>
+          <a:chOff x="0" y="0"/>
+          <a:chExt cx="0" cy="0"/>
+        </a:xfrm>
+      </p:grpSpPr>
+      <p:sp>
+        <p:nvSpPr>
+          <p:cNvPr id="2" name="Title 1"/>
+          <p:cNvSpPr>
+            <a:spLocks noGrp="1"/>
+          </p:cNvSpPr>
+          <p:nvPr>
+            <p:ph type="title"/>
+          </p:nvPr>
+        </p:nvSpPr>
+        <p:spPr/>
+        <p:txBody>
+          <a:bodyPr/>
+          <a:lstStyle/>
+          <a:p>
+            <a:r>
+              <a:rPr lang="en-US" dirty="0" smtClean="0"/>
+              <a:t>Cloud Recap</a:t>
+            </a:r>
+            <a:endParaRPr lang="en-US" dirty="0"/>
+          </a:p>
+        </p:txBody>
+      </p:sp>
+      <p:sp>
+        <p:nvSpPr>
+          <p:cNvPr id="3" name="Content Placeholder 2"/>
+          <p:cNvSpPr>
+            <a:spLocks noGrp="1"/>
+          </p:cNvSpPr>
+          <p:nvPr>
+            <p:ph idx="1"/>
+          </p:nvPr>
+        </p:nvSpPr>
+        <p:spPr/>
+        <p:txBody>
+          <a:bodyPr/>
+          <a:lstStyle/>
+          <a:p>
+            <a:r>
+              <a:rPr lang="en-US" dirty="0" smtClean="0"/>
+              <a:t>TBD during the course</a:t>
+            </a:r>
+            <a:endParaRPr lang="en-US" dirty="0"/>
+          </a:p>
+        </p:txBody>
+      </p:sp>
+    </p:spTree>
+    <p:extLst>
+      <p:ext uri="{BB962C8B-B14F-4D97-AF65-F5344CB8AC3E}">
+        <p14:creationId xmlns:p14="http://schemas.microsoft.com/office/powerpoint/2010/main" val="3030111728"/>
+      </p:ext>
+    </p:extLst>
+  </p:cSld>
+  <p:clrMapOvr>
+    <a:masterClrMapping/>
+  </p:clrMapOvr>
+</p:sld>
+</file>
+
+<file path=ppt/slides/slide4.xml><?xml version="1.0" encoding="utf-8"?>
 <p:sld xmlns:a="http://schemas.openxmlformats.org/drawingml/2006/main" xmlns:r="http://schemas.openxmlformats.org/officeDocument/2006/relationships" xmlns:p="http://schemas.openxmlformats.org/presentationml/2006/main">
   <p:cSld>
     <p:spTree>
